--- a/womble_final_presentation.pptx
+++ b/womble_final_presentation.pptx
@@ -121,7 +121,7 @@
 <file path=ppt/revisionInfo.xml><?xml version="1.0" encoding="utf-8"?>
 <p1510:revInfo xmlns:a="http://schemas.openxmlformats.org/drawingml/2006/main" xmlns:r="http://schemas.openxmlformats.org/officeDocument/2006/relationships" xmlns:p1510="http://schemas.microsoft.com/office/powerpoint/2015/10/main">
   <p1510:revLst>
-    <p1510:client id="{4FD7A1D8-9B44-4F3A-8A15-8AA3BC80F230}" v="79" dt="2024-05-02T16:34:36.897"/>
+    <p1510:client id="{4FD7A1D8-9B44-4F3A-8A15-8AA3BC80F230}" v="80" dt="2024-05-04T16:22:08.658"/>
   </p1510:revLst>
 </p1510:revInfo>
 </file>
@@ -131,7 +131,7 @@
   <pc:docChgLst>
     <pc:chgData name="Christopher Womble" userId="327957935e72a9fa" providerId="LiveId" clId="{4FD7A1D8-9B44-4F3A-8A15-8AA3BC80F230}"/>
     <pc:docChg chg="undo custSel addSld delSld modSld addMainMaster delMainMaster">
-      <pc:chgData name="Christopher Womble" userId="327957935e72a9fa" providerId="LiveId" clId="{4FD7A1D8-9B44-4F3A-8A15-8AA3BC80F230}" dt="2024-05-02T21:18:35.620" v="2708" actId="26606"/>
+      <pc:chgData name="Christopher Womble" userId="327957935e72a9fa" providerId="LiveId" clId="{4FD7A1D8-9B44-4F3A-8A15-8AA3BC80F230}" dt="2024-05-04T16:22:15.817" v="2714" actId="1076"/>
       <pc:docMkLst>
         <pc:docMk/>
       </pc:docMkLst>
@@ -596,7 +596,7 @@
         </pc:picChg>
       </pc:sldChg>
       <pc:sldChg chg="addSp delSp modSp new mod">
-        <pc:chgData name="Christopher Womble" userId="327957935e72a9fa" providerId="LiveId" clId="{4FD7A1D8-9B44-4F3A-8A15-8AA3BC80F230}" dt="2024-05-02T16:17:24.120" v="1844" actId="14100"/>
+        <pc:chgData name="Christopher Womble" userId="327957935e72a9fa" providerId="LiveId" clId="{4FD7A1D8-9B44-4F3A-8A15-8AA3BC80F230}" dt="2024-05-04T16:22:15.817" v="2714" actId="1076"/>
         <pc:sldMkLst>
           <pc:docMk/>
           <pc:sldMk cId="1706942733" sldId="260"/>
@@ -607,6 +607,14 @@
             <pc:docMk/>
             <pc:sldMk cId="1706942733" sldId="260"/>
             <ac:spMk id="3" creationId="{6932A641-D9E1-A098-E5A4-CA59614B60D0}"/>
+          </ac:spMkLst>
+        </pc:spChg>
+        <pc:spChg chg="add del mod">
+          <ac:chgData name="Christopher Womble" userId="327957935e72a9fa" providerId="LiveId" clId="{4FD7A1D8-9B44-4F3A-8A15-8AA3BC80F230}" dt="2024-05-04T16:22:08.658" v="2710" actId="931"/>
+          <ac:spMkLst>
+            <pc:docMk/>
+            <pc:sldMk cId="1706942733" sldId="260"/>
+            <ac:spMk id="4" creationId="{16E6CE8C-59AD-5DA6-C8C8-428D2826FEDA}"/>
           </ac:spMkLst>
         </pc:spChg>
         <pc:spChg chg="add del mod">
@@ -626,7 +634,15 @@
           </ac:picMkLst>
         </pc:picChg>
         <pc:picChg chg="add mod">
-          <ac:chgData name="Christopher Womble" userId="327957935e72a9fa" providerId="LiveId" clId="{4FD7A1D8-9B44-4F3A-8A15-8AA3BC80F230}" dt="2024-05-02T16:17:24.120" v="1844" actId="14100"/>
+          <ac:chgData name="Christopher Womble" userId="327957935e72a9fa" providerId="LiveId" clId="{4FD7A1D8-9B44-4F3A-8A15-8AA3BC80F230}" dt="2024-05-04T16:22:15.817" v="2714" actId="1076"/>
+          <ac:picMkLst>
+            <pc:docMk/>
+            <pc:sldMk cId="1706942733" sldId="260"/>
+            <ac:picMk id="6" creationId="{E972AB30-3A08-DF20-E282-CA80D52A8D9A}"/>
+          </ac:picMkLst>
+        </pc:picChg>
+        <pc:picChg chg="add del mod">
+          <ac:chgData name="Christopher Womble" userId="327957935e72a9fa" providerId="LiveId" clId="{4FD7A1D8-9B44-4F3A-8A15-8AA3BC80F230}" dt="2024-05-04T16:21:51.639" v="2709" actId="478"/>
           <ac:picMkLst>
             <pc:docMk/>
             <pc:sldMk cId="1706942733" sldId="260"/>
@@ -10067,7 +10083,7 @@
           <a:p>
             <a:fld id="{AF1AAC62-801D-401C-A502-F9ED0BC455EF}" type="datetimeFigureOut">
               <a:rPr lang="en-US" smtClean="0"/>
-              <a:t>5/2/2024</a:t>
+              <a:t>5/4/2024</a:t>
             </a:fld>
             <a:endParaRPr lang="en-US"/>
           </a:p>
@@ -10265,7 +10281,7 @@
           <a:p>
             <a:fld id="{AF1AAC62-801D-401C-A502-F9ED0BC455EF}" type="datetimeFigureOut">
               <a:rPr lang="en-US" smtClean="0"/>
-              <a:t>5/2/2024</a:t>
+              <a:t>5/4/2024</a:t>
             </a:fld>
             <a:endParaRPr lang="en-US"/>
           </a:p>
@@ -10473,7 +10489,7 @@
           <a:p>
             <a:fld id="{AF1AAC62-801D-401C-A502-F9ED0BC455EF}" type="datetimeFigureOut">
               <a:rPr lang="en-US" smtClean="0"/>
-              <a:t>5/2/2024</a:t>
+              <a:t>5/4/2024</a:t>
             </a:fld>
             <a:endParaRPr lang="en-US"/>
           </a:p>
@@ -10671,7 +10687,7 @@
           <a:p>
             <a:fld id="{AF1AAC62-801D-401C-A502-F9ED0BC455EF}" type="datetimeFigureOut">
               <a:rPr lang="en-US" smtClean="0"/>
-              <a:t>5/2/2024</a:t>
+              <a:t>5/4/2024</a:t>
             </a:fld>
             <a:endParaRPr lang="en-US"/>
           </a:p>
@@ -10946,7 +10962,7 @@
           <a:p>
             <a:fld id="{AF1AAC62-801D-401C-A502-F9ED0BC455EF}" type="datetimeFigureOut">
               <a:rPr lang="en-US" smtClean="0"/>
-              <a:t>5/2/2024</a:t>
+              <a:t>5/4/2024</a:t>
             </a:fld>
             <a:endParaRPr lang="en-US"/>
           </a:p>
@@ -11211,7 +11227,7 @@
           <a:p>
             <a:fld id="{AF1AAC62-801D-401C-A502-F9ED0BC455EF}" type="datetimeFigureOut">
               <a:rPr lang="en-US" smtClean="0"/>
-              <a:t>5/2/2024</a:t>
+              <a:t>5/4/2024</a:t>
             </a:fld>
             <a:endParaRPr lang="en-US"/>
           </a:p>
@@ -11623,7 +11639,7 @@
           <a:p>
             <a:fld id="{AF1AAC62-801D-401C-A502-F9ED0BC455EF}" type="datetimeFigureOut">
               <a:rPr lang="en-US" smtClean="0"/>
-              <a:t>5/2/2024</a:t>
+              <a:t>5/4/2024</a:t>
             </a:fld>
             <a:endParaRPr lang="en-US"/>
           </a:p>
@@ -11764,7 +11780,7 @@
           <a:p>
             <a:fld id="{AF1AAC62-801D-401C-A502-F9ED0BC455EF}" type="datetimeFigureOut">
               <a:rPr lang="en-US" smtClean="0"/>
-              <a:t>5/2/2024</a:t>
+              <a:t>5/4/2024</a:t>
             </a:fld>
             <a:endParaRPr lang="en-US"/>
           </a:p>
@@ -11877,7 +11893,7 @@
           <a:p>
             <a:fld id="{AF1AAC62-801D-401C-A502-F9ED0BC455EF}" type="datetimeFigureOut">
               <a:rPr lang="en-US" smtClean="0"/>
-              <a:t>5/2/2024</a:t>
+              <a:t>5/4/2024</a:t>
             </a:fld>
             <a:endParaRPr lang="en-US"/>
           </a:p>
@@ -12188,7 +12204,7 @@
           <a:p>
             <a:fld id="{AF1AAC62-801D-401C-A502-F9ED0BC455EF}" type="datetimeFigureOut">
               <a:rPr lang="en-US" smtClean="0"/>
-              <a:t>5/2/2024</a:t>
+              <a:t>5/4/2024</a:t>
             </a:fld>
             <a:endParaRPr lang="en-US"/>
           </a:p>
@@ -12476,7 +12492,7 @@
           <a:p>
             <a:fld id="{AF1AAC62-801D-401C-A502-F9ED0BC455EF}" type="datetimeFigureOut">
               <a:rPr lang="en-US" smtClean="0"/>
-              <a:t>5/2/2024</a:t>
+              <a:t>5/4/2024</a:t>
             </a:fld>
             <a:endParaRPr lang="en-US"/>
           </a:p>
@@ -12717,7 +12733,7 @@
           <a:p>
             <a:fld id="{AF1AAC62-801D-401C-A502-F9ED0BC455EF}" type="datetimeFigureOut">
               <a:rPr lang="en-US" smtClean="0"/>
-              <a:t>5/2/2024</a:t>
+              <a:t>5/4/2024</a:t>
             </a:fld>
             <a:endParaRPr lang="en-US"/>
           </a:p>
@@ -17366,10 +17382,10 @@
       </p:sp>
       <p:pic>
         <p:nvPicPr>
-          <p:cNvPr id="9" name="Content Placeholder 8" descr="A computer screen shot of a computer&#10;&#10;Description automatically generated">
+          <p:cNvPr id="6" name="Content Placeholder 5" descr="A diagram of a computer&#10;&#10;Description automatically generated with medium confidence">
             <a:extLst>
               <a:ext uri="{FF2B5EF4-FFF2-40B4-BE49-F238E27FC236}">
-                <a16:creationId xmlns:a16="http://schemas.microsoft.com/office/drawing/2014/main" id="{F40DF798-1480-A2FA-C259-759B368C799B}"/>
+                <a16:creationId xmlns:a16="http://schemas.microsoft.com/office/drawing/2014/main" id="{E972AB30-3A08-DF20-E282-CA80D52A8D9A}"/>
               </a:ext>
             </a:extLst>
           </p:cNvPr>
@@ -17394,8 +17410,8 @@
         </p:blipFill>
         <p:spPr>
           <a:xfrm>
-            <a:off x="184741" y="2209800"/>
-            <a:ext cx="11745442" cy="3559629"/>
+            <a:off x="1726128" y="699747"/>
+            <a:ext cx="8739743" cy="5458506"/>
           </a:xfrm>
         </p:spPr>
       </p:pic>

--- a/womble_final_presentation.pptx
+++ b/womble_final_presentation.pptx
@@ -121,7 +121,7 @@
 <file path=ppt/revisionInfo.xml><?xml version="1.0" encoding="utf-8"?>
 <p1510:revInfo xmlns:a="http://schemas.openxmlformats.org/drawingml/2006/main" xmlns:r="http://schemas.openxmlformats.org/officeDocument/2006/relationships" xmlns:p1510="http://schemas.microsoft.com/office/powerpoint/2015/10/main">
   <p1510:revLst>
-    <p1510:client id="{4FD7A1D8-9B44-4F3A-8A15-8AA3BC80F230}" v="80" dt="2024-05-04T16:22:08.658"/>
+    <p1510:client id="{4FD7A1D8-9B44-4F3A-8A15-8AA3BC80F230}" v="79" dt="2024-05-02T16:34:36.897"/>
   </p1510:revLst>
 </p1510:revInfo>
 </file>
@@ -131,7 +131,7 @@
   <pc:docChgLst>
     <pc:chgData name="Christopher Womble" userId="327957935e72a9fa" providerId="LiveId" clId="{4FD7A1D8-9B44-4F3A-8A15-8AA3BC80F230}"/>
     <pc:docChg chg="undo custSel addSld delSld modSld addMainMaster delMainMaster">
-      <pc:chgData name="Christopher Womble" userId="327957935e72a9fa" providerId="LiveId" clId="{4FD7A1D8-9B44-4F3A-8A15-8AA3BC80F230}" dt="2024-05-04T16:22:15.817" v="2714" actId="1076"/>
+      <pc:chgData name="Christopher Womble" userId="327957935e72a9fa" providerId="LiveId" clId="{4FD7A1D8-9B44-4F3A-8A15-8AA3BC80F230}" dt="2024-05-02T21:18:35.620" v="2708" actId="26606"/>
       <pc:docMkLst>
         <pc:docMk/>
       </pc:docMkLst>
@@ -596,7 +596,7 @@
         </pc:picChg>
       </pc:sldChg>
       <pc:sldChg chg="addSp delSp modSp new mod">
-        <pc:chgData name="Christopher Womble" userId="327957935e72a9fa" providerId="LiveId" clId="{4FD7A1D8-9B44-4F3A-8A15-8AA3BC80F230}" dt="2024-05-04T16:22:15.817" v="2714" actId="1076"/>
+        <pc:chgData name="Christopher Womble" userId="327957935e72a9fa" providerId="LiveId" clId="{4FD7A1D8-9B44-4F3A-8A15-8AA3BC80F230}" dt="2024-05-02T16:17:24.120" v="1844" actId="14100"/>
         <pc:sldMkLst>
           <pc:docMk/>
           <pc:sldMk cId="1706942733" sldId="260"/>
@@ -607,14 +607,6 @@
             <pc:docMk/>
             <pc:sldMk cId="1706942733" sldId="260"/>
             <ac:spMk id="3" creationId="{6932A641-D9E1-A098-E5A4-CA59614B60D0}"/>
-          </ac:spMkLst>
-        </pc:spChg>
-        <pc:spChg chg="add del mod">
-          <ac:chgData name="Christopher Womble" userId="327957935e72a9fa" providerId="LiveId" clId="{4FD7A1D8-9B44-4F3A-8A15-8AA3BC80F230}" dt="2024-05-04T16:22:08.658" v="2710" actId="931"/>
-          <ac:spMkLst>
-            <pc:docMk/>
-            <pc:sldMk cId="1706942733" sldId="260"/>
-            <ac:spMk id="4" creationId="{16E6CE8C-59AD-5DA6-C8C8-428D2826FEDA}"/>
           </ac:spMkLst>
         </pc:spChg>
         <pc:spChg chg="add del mod">
@@ -634,15 +626,7 @@
           </ac:picMkLst>
         </pc:picChg>
         <pc:picChg chg="add mod">
-          <ac:chgData name="Christopher Womble" userId="327957935e72a9fa" providerId="LiveId" clId="{4FD7A1D8-9B44-4F3A-8A15-8AA3BC80F230}" dt="2024-05-04T16:22:15.817" v="2714" actId="1076"/>
-          <ac:picMkLst>
-            <pc:docMk/>
-            <pc:sldMk cId="1706942733" sldId="260"/>
-            <ac:picMk id="6" creationId="{E972AB30-3A08-DF20-E282-CA80D52A8D9A}"/>
-          </ac:picMkLst>
-        </pc:picChg>
-        <pc:picChg chg="add del mod">
-          <ac:chgData name="Christopher Womble" userId="327957935e72a9fa" providerId="LiveId" clId="{4FD7A1D8-9B44-4F3A-8A15-8AA3BC80F230}" dt="2024-05-04T16:21:51.639" v="2709" actId="478"/>
+          <ac:chgData name="Christopher Womble" userId="327957935e72a9fa" providerId="LiveId" clId="{4FD7A1D8-9B44-4F3A-8A15-8AA3BC80F230}" dt="2024-05-02T16:17:24.120" v="1844" actId="14100"/>
           <ac:picMkLst>
             <pc:docMk/>
             <pc:sldMk cId="1706942733" sldId="260"/>
@@ -10083,7 +10067,7 @@
           <a:p>
             <a:fld id="{AF1AAC62-801D-401C-A502-F9ED0BC455EF}" type="datetimeFigureOut">
               <a:rPr lang="en-US" smtClean="0"/>
-              <a:t>5/4/2024</a:t>
+              <a:t>5/2/2024</a:t>
             </a:fld>
             <a:endParaRPr lang="en-US"/>
           </a:p>
@@ -10281,7 +10265,7 @@
           <a:p>
             <a:fld id="{AF1AAC62-801D-401C-A502-F9ED0BC455EF}" type="datetimeFigureOut">
               <a:rPr lang="en-US" smtClean="0"/>
-              <a:t>5/4/2024</a:t>
+              <a:t>5/2/2024</a:t>
             </a:fld>
             <a:endParaRPr lang="en-US"/>
           </a:p>
@@ -10489,7 +10473,7 @@
           <a:p>
             <a:fld id="{AF1AAC62-801D-401C-A502-F9ED0BC455EF}" type="datetimeFigureOut">
               <a:rPr lang="en-US" smtClean="0"/>
-              <a:t>5/4/2024</a:t>
+              <a:t>5/2/2024</a:t>
             </a:fld>
             <a:endParaRPr lang="en-US"/>
           </a:p>
@@ -10687,7 +10671,7 @@
           <a:p>
             <a:fld id="{AF1AAC62-801D-401C-A502-F9ED0BC455EF}" type="datetimeFigureOut">
               <a:rPr lang="en-US" smtClean="0"/>
-              <a:t>5/4/2024</a:t>
+              <a:t>5/2/2024</a:t>
             </a:fld>
             <a:endParaRPr lang="en-US"/>
           </a:p>
@@ -10962,7 +10946,7 @@
           <a:p>
             <a:fld id="{AF1AAC62-801D-401C-A502-F9ED0BC455EF}" type="datetimeFigureOut">
               <a:rPr lang="en-US" smtClean="0"/>
-              <a:t>5/4/2024</a:t>
+              <a:t>5/2/2024</a:t>
             </a:fld>
             <a:endParaRPr lang="en-US"/>
           </a:p>
@@ -11227,7 +11211,7 @@
           <a:p>
             <a:fld id="{AF1AAC62-801D-401C-A502-F9ED0BC455EF}" type="datetimeFigureOut">
               <a:rPr lang="en-US" smtClean="0"/>
-              <a:t>5/4/2024</a:t>
+              <a:t>5/2/2024</a:t>
             </a:fld>
             <a:endParaRPr lang="en-US"/>
           </a:p>
@@ -11639,7 +11623,7 @@
           <a:p>
             <a:fld id="{AF1AAC62-801D-401C-A502-F9ED0BC455EF}" type="datetimeFigureOut">
               <a:rPr lang="en-US" smtClean="0"/>
-              <a:t>5/4/2024</a:t>
+              <a:t>5/2/2024</a:t>
             </a:fld>
             <a:endParaRPr lang="en-US"/>
           </a:p>
@@ -11780,7 +11764,7 @@
           <a:p>
             <a:fld id="{AF1AAC62-801D-401C-A502-F9ED0BC455EF}" type="datetimeFigureOut">
               <a:rPr lang="en-US" smtClean="0"/>
-              <a:t>5/4/2024</a:t>
+              <a:t>5/2/2024</a:t>
             </a:fld>
             <a:endParaRPr lang="en-US"/>
           </a:p>
@@ -11893,7 +11877,7 @@
           <a:p>
             <a:fld id="{AF1AAC62-801D-401C-A502-F9ED0BC455EF}" type="datetimeFigureOut">
               <a:rPr lang="en-US" smtClean="0"/>
-              <a:t>5/4/2024</a:t>
+              <a:t>5/2/2024</a:t>
             </a:fld>
             <a:endParaRPr lang="en-US"/>
           </a:p>
@@ -12204,7 +12188,7 @@
           <a:p>
             <a:fld id="{AF1AAC62-801D-401C-A502-F9ED0BC455EF}" type="datetimeFigureOut">
               <a:rPr lang="en-US" smtClean="0"/>
-              <a:t>5/4/2024</a:t>
+              <a:t>5/2/2024</a:t>
             </a:fld>
             <a:endParaRPr lang="en-US"/>
           </a:p>
@@ -12492,7 +12476,7 @@
           <a:p>
             <a:fld id="{AF1AAC62-801D-401C-A502-F9ED0BC455EF}" type="datetimeFigureOut">
               <a:rPr lang="en-US" smtClean="0"/>
-              <a:t>5/4/2024</a:t>
+              <a:t>5/2/2024</a:t>
             </a:fld>
             <a:endParaRPr lang="en-US"/>
           </a:p>
@@ -12733,7 +12717,7 @@
           <a:p>
             <a:fld id="{AF1AAC62-801D-401C-A502-F9ED0BC455EF}" type="datetimeFigureOut">
               <a:rPr lang="en-US" smtClean="0"/>
-              <a:t>5/4/2024</a:t>
+              <a:t>5/2/2024</a:t>
             </a:fld>
             <a:endParaRPr lang="en-US"/>
           </a:p>
@@ -17382,10 +17366,10 @@
       </p:sp>
       <p:pic>
         <p:nvPicPr>
-          <p:cNvPr id="6" name="Content Placeholder 5" descr="A diagram of a computer&#10;&#10;Description automatically generated with medium confidence">
+          <p:cNvPr id="9" name="Content Placeholder 8" descr="A computer screen shot of a computer&#10;&#10;Description automatically generated">
             <a:extLst>
               <a:ext uri="{FF2B5EF4-FFF2-40B4-BE49-F238E27FC236}">
-                <a16:creationId xmlns:a16="http://schemas.microsoft.com/office/drawing/2014/main" id="{E972AB30-3A08-DF20-E282-CA80D52A8D9A}"/>
+                <a16:creationId xmlns:a16="http://schemas.microsoft.com/office/drawing/2014/main" id="{F40DF798-1480-A2FA-C259-759B368C799B}"/>
               </a:ext>
             </a:extLst>
           </p:cNvPr>
@@ -17410,8 +17394,8 @@
         </p:blipFill>
         <p:spPr>
           <a:xfrm>
-            <a:off x="1726128" y="699747"/>
-            <a:ext cx="8739743" cy="5458506"/>
+            <a:off x="184741" y="2209800"/>
+            <a:ext cx="11745442" cy="3559629"/>
           </a:xfrm>
         </p:spPr>
       </p:pic>
